--- a/venn_dataviz.pptx
+++ b/venn_dataviz.pptx
@@ -3233,7 +3233,7 @@
         </p:nvSpPr>
         <p:spPr>
           <a:xfrm>
-            <a:off x="3000632" y="2341604"/>
+            <a:off x="3000630" y="2285084"/>
             <a:ext cx="2928551" cy="2928551"/>
           </a:xfrm>
           <a:prstGeom prst="ellipse">
@@ -3270,6 +3270,162 @@
           <a:p>
             <a:pPr algn="ctr"/>
             <a:endParaRPr lang="fr-FR"/>
+          </a:p>
+        </p:txBody>
+      </p:sp>
+      <p:sp>
+        <p:nvSpPr>
+          <p:cNvPr id="8" name="ZoneTexte 7">
+            <a:extLst>
+              <a:ext uri="{FF2B5EF4-FFF2-40B4-BE49-F238E27FC236}">
+                <a16:creationId xmlns:a16="http://schemas.microsoft.com/office/drawing/2014/main" id="{456BF29F-8AB1-2142-A2CA-4155CA21AF1D}"/>
+              </a:ext>
+            </a:extLst>
+          </p:cNvPr>
+          <p:cNvSpPr txBox="1"/>
+          <p:nvPr/>
+        </p:nvSpPr>
+        <p:spPr>
+          <a:xfrm>
+            <a:off x="2607733" y="1972272"/>
+            <a:ext cx="1405467" cy="369332"/>
+          </a:xfrm>
+          <a:prstGeom prst="rect">
+            <a:avLst/>
+          </a:prstGeom>
+          <a:noFill/>
+        </p:spPr>
+        <p:txBody>
+          <a:bodyPr wrap="square" rtlCol="0">
+            <a:spAutoFit/>
+          </a:bodyPr>
+          <a:lstStyle/>
+          <a:p>
+            <a:r>
+              <a:rPr lang="fr-FR" b="1" dirty="0">
+                <a:latin typeface="Open Sans" panose="020B0606030504020204" pitchFamily="34" charset="0"/>
+                <a:ea typeface="Open Sans" panose="020B0606030504020204" pitchFamily="34" charset="0"/>
+                <a:cs typeface="Open Sans" panose="020B0606030504020204" pitchFamily="34" charset="0"/>
+              </a:rPr>
+              <a:t>RIGUEUR</a:t>
+            </a:r>
+          </a:p>
+        </p:txBody>
+      </p:sp>
+      <p:sp>
+        <p:nvSpPr>
+          <p:cNvPr id="9" name="ZoneTexte 8">
+            <a:extLst>
+              <a:ext uri="{FF2B5EF4-FFF2-40B4-BE49-F238E27FC236}">
+                <a16:creationId xmlns:a16="http://schemas.microsoft.com/office/drawing/2014/main" id="{FDD9894F-07AA-8441-A72D-0DCF11C5E178}"/>
+              </a:ext>
+            </a:extLst>
+          </p:cNvPr>
+          <p:cNvSpPr txBox="1"/>
+          <p:nvPr/>
+        </p:nvSpPr>
+        <p:spPr>
+          <a:xfrm>
+            <a:off x="5465234" y="2004538"/>
+            <a:ext cx="1405467" cy="369332"/>
+          </a:xfrm>
+          <a:prstGeom prst="rect">
+            <a:avLst/>
+          </a:prstGeom>
+          <a:noFill/>
+        </p:spPr>
+        <p:txBody>
+          <a:bodyPr wrap="square" rtlCol="0">
+            <a:spAutoFit/>
+          </a:bodyPr>
+          <a:lstStyle/>
+          <a:p>
+            <a:r>
+              <a:rPr lang="fr-FR" b="1" dirty="0">
+                <a:latin typeface="Open Sans" panose="020B0606030504020204" pitchFamily="34" charset="0"/>
+                <a:ea typeface="Open Sans" panose="020B0606030504020204" pitchFamily="34" charset="0"/>
+                <a:cs typeface="Open Sans" panose="020B0606030504020204" pitchFamily="34" charset="0"/>
+              </a:rPr>
+              <a:t>LISIBILITE</a:t>
+            </a:r>
+          </a:p>
+        </p:txBody>
+      </p:sp>
+      <p:sp>
+        <p:nvSpPr>
+          <p:cNvPr id="10" name="ZoneTexte 9">
+            <a:extLst>
+              <a:ext uri="{FF2B5EF4-FFF2-40B4-BE49-F238E27FC236}">
+                <a16:creationId xmlns:a16="http://schemas.microsoft.com/office/drawing/2014/main" id="{2AB575C0-0540-B04A-90B0-8FE4F06AE9AC}"/>
+              </a:ext>
+            </a:extLst>
+          </p:cNvPr>
+          <p:cNvSpPr txBox="1"/>
+          <p:nvPr/>
+        </p:nvSpPr>
+        <p:spPr>
+          <a:xfrm>
+            <a:off x="3607512" y="3955760"/>
+            <a:ext cx="1714785" cy="369332"/>
+          </a:xfrm>
+          <a:prstGeom prst="rect">
+            <a:avLst/>
+          </a:prstGeom>
+          <a:noFill/>
+        </p:spPr>
+        <p:txBody>
+          <a:bodyPr wrap="square" rtlCol="0">
+            <a:spAutoFit/>
+          </a:bodyPr>
+          <a:lstStyle/>
+          <a:p>
+            <a:r>
+              <a:rPr lang="fr-FR" b="1" dirty="0">
+                <a:latin typeface="Open Sans" panose="020B0606030504020204" pitchFamily="34" charset="0"/>
+                <a:ea typeface="Open Sans" panose="020B0606030504020204" pitchFamily="34" charset="0"/>
+                <a:cs typeface="Open Sans" panose="020B0606030504020204" pitchFamily="34" charset="0"/>
+              </a:rPr>
+              <a:t>ELOQUENCE</a:t>
+            </a:r>
+          </a:p>
+        </p:txBody>
+      </p:sp>
+      <p:sp>
+        <p:nvSpPr>
+          <p:cNvPr id="11" name="ZoneTexte 10">
+            <a:extLst>
+              <a:ext uri="{FF2B5EF4-FFF2-40B4-BE49-F238E27FC236}">
+                <a16:creationId xmlns:a16="http://schemas.microsoft.com/office/drawing/2014/main" id="{910D6260-04C1-994F-AE64-D51D13450225}"/>
+              </a:ext>
+            </a:extLst>
+          </p:cNvPr>
+          <p:cNvSpPr txBox="1"/>
+          <p:nvPr/>
+        </p:nvSpPr>
+        <p:spPr>
+          <a:xfrm>
+            <a:off x="4355816" y="2555877"/>
+            <a:ext cx="1405467" cy="261610"/>
+          </a:xfrm>
+          <a:prstGeom prst="rect">
+            <a:avLst/>
+          </a:prstGeom>
+          <a:noFill/>
+        </p:spPr>
+        <p:txBody>
+          <a:bodyPr wrap="square" rtlCol="0">
+            <a:spAutoFit/>
+          </a:bodyPr>
+          <a:lstStyle/>
+          <a:p>
+            <a:r>
+              <a:rPr lang="fr-FR" sz="1100" b="1" dirty="0">
+                <a:latin typeface="Open Sans" panose="020B0606030504020204" pitchFamily="34" charset="0"/>
+                <a:ea typeface="Open Sans" panose="020B0606030504020204" pitchFamily="34" charset="0"/>
+                <a:cs typeface="Open Sans" panose="020B0606030504020204" pitchFamily="34" charset="0"/>
+              </a:rPr>
+              <a:t>DATAVIZ</a:t>
+            </a:r>
           </a:p>
         </p:txBody>
       </p:sp>
